--- a/7.Processes/07-Processes.pptx
+++ b/7.Processes/07-Processes.pptx
@@ -310,7 +310,7 @@
           <a:p>
             <a:fld id="{3EA744D9-3FBE-48D8-BF2A-85DF203E4D20}" type="datetimeFigureOut">
               <a:rPr lang="bg-BG" smtClean="0"/>
-              <a:t>7.12.2016 г.</a:t>
+              <a:t>21.03.17 г.</a:t>
             </a:fld>
             <a:endParaRPr lang="bg-BG"/>
           </a:p>
@@ -480,7 +480,7 @@
           <a:p>
             <a:fld id="{3EA744D9-3FBE-48D8-BF2A-85DF203E4D20}" type="datetimeFigureOut">
               <a:rPr lang="bg-BG" smtClean="0"/>
-              <a:t>7.12.2016 г.</a:t>
+              <a:t>21.03.17 г.</a:t>
             </a:fld>
             <a:endParaRPr lang="bg-BG"/>
           </a:p>
@@ -660,7 +660,7 @@
           <a:p>
             <a:fld id="{3EA744D9-3FBE-48D8-BF2A-85DF203E4D20}" type="datetimeFigureOut">
               <a:rPr lang="bg-BG" smtClean="0"/>
-              <a:t>7.12.2016 г.</a:t>
+              <a:t>21.03.17 г.</a:t>
             </a:fld>
             <a:endParaRPr lang="bg-BG"/>
           </a:p>
@@ -830,7 +830,7 @@
           <a:p>
             <a:fld id="{3EA744D9-3FBE-48D8-BF2A-85DF203E4D20}" type="datetimeFigureOut">
               <a:rPr lang="bg-BG" smtClean="0"/>
-              <a:t>7.12.2016 г.</a:t>
+              <a:t>21.03.17 г.</a:t>
             </a:fld>
             <a:endParaRPr lang="bg-BG"/>
           </a:p>
@@ -1076,7 +1076,7 @@
           <a:p>
             <a:fld id="{3EA744D9-3FBE-48D8-BF2A-85DF203E4D20}" type="datetimeFigureOut">
               <a:rPr lang="bg-BG" smtClean="0"/>
-              <a:t>7.12.2016 г.</a:t>
+              <a:t>21.03.17 г.</a:t>
             </a:fld>
             <a:endParaRPr lang="bg-BG"/>
           </a:p>
@@ -1364,7 +1364,7 @@
           <a:p>
             <a:fld id="{3EA744D9-3FBE-48D8-BF2A-85DF203E4D20}" type="datetimeFigureOut">
               <a:rPr lang="bg-BG" smtClean="0"/>
-              <a:t>7.12.2016 г.</a:t>
+              <a:t>21.03.17 г.</a:t>
             </a:fld>
             <a:endParaRPr lang="bg-BG"/>
           </a:p>
@@ -1786,7 +1786,7 @@
           <a:p>
             <a:fld id="{3EA744D9-3FBE-48D8-BF2A-85DF203E4D20}" type="datetimeFigureOut">
               <a:rPr lang="bg-BG" smtClean="0"/>
-              <a:t>7.12.2016 г.</a:t>
+              <a:t>21.03.17 г.</a:t>
             </a:fld>
             <a:endParaRPr lang="bg-BG"/>
           </a:p>
@@ -1904,7 +1904,7 @@
           <a:p>
             <a:fld id="{3EA744D9-3FBE-48D8-BF2A-85DF203E4D20}" type="datetimeFigureOut">
               <a:rPr lang="bg-BG" smtClean="0"/>
-              <a:t>7.12.2016 г.</a:t>
+              <a:t>21.03.17 г.</a:t>
             </a:fld>
             <a:endParaRPr lang="bg-BG"/>
           </a:p>
@@ -1999,7 +1999,7 @@
           <a:p>
             <a:fld id="{3EA744D9-3FBE-48D8-BF2A-85DF203E4D20}" type="datetimeFigureOut">
               <a:rPr lang="bg-BG" smtClean="0"/>
-              <a:t>7.12.2016 г.</a:t>
+              <a:t>21.03.17 г.</a:t>
             </a:fld>
             <a:endParaRPr lang="bg-BG"/>
           </a:p>
@@ -2276,7 +2276,7 @@
           <a:p>
             <a:fld id="{3EA744D9-3FBE-48D8-BF2A-85DF203E4D20}" type="datetimeFigureOut">
               <a:rPr lang="bg-BG" smtClean="0"/>
-              <a:t>7.12.2016 г.</a:t>
+              <a:t>21.03.17 г.</a:t>
             </a:fld>
             <a:endParaRPr lang="bg-BG"/>
           </a:p>
@@ -2529,7 +2529,7 @@
           <a:p>
             <a:fld id="{3EA744D9-3FBE-48D8-BF2A-85DF203E4D20}" type="datetimeFigureOut">
               <a:rPr lang="bg-BG" smtClean="0"/>
-              <a:t>7.12.2016 г.</a:t>
+              <a:t>21.03.17 г.</a:t>
             </a:fld>
             <a:endParaRPr lang="bg-BG"/>
           </a:p>
@@ -2751,7 +2751,7 @@
           <a:p>
             <a:fld id="{3EA744D9-3FBE-48D8-BF2A-85DF203E4D20}" type="datetimeFigureOut">
               <a:rPr lang="bg-BG" smtClean="0"/>
-              <a:t>7.12.2016 г.</a:t>
+              <a:t>21.03.17 г.</a:t>
             </a:fld>
             <a:endParaRPr lang="bg-BG"/>
           </a:p>
@@ -3469,31 +3469,7 @@
                   <a:schemeClr val="accent6"/>
                 </a:solidFill>
               </a:rPr>
-              <a:t>For everything that happens on Linux, a process is started.  A process is a </a:t>
-            </a:r>
-            <a:r>
-              <a:rPr lang="en-US" sz="2700" smtClean="0">
-                <a:solidFill>
-                  <a:schemeClr val="accent6"/>
-                </a:solidFill>
-              </a:rPr>
-              <a:t>running </a:t>
-            </a:r>
-            <a:r>
-              <a:rPr lang="en-US" sz="2700" smtClean="0">
-                <a:solidFill>
-                  <a:schemeClr val="accent6"/>
-                </a:solidFill>
-              </a:rPr>
-              <a:t>instance of </a:t>
-            </a:r>
-            <a:r>
-              <a:rPr lang="en-US" sz="2700" dirty="0" smtClean="0">
-                <a:solidFill>
-                  <a:schemeClr val="accent6"/>
-                </a:solidFill>
-              </a:rPr>
-              <a:t>a launched, executable program. A process consists of: </a:t>
+              <a:t>For everything that happens on Linux, a process is started.  A process is a running instance of a launched, executable program. A process consists of: </a:t>
             </a:r>
             <a:br>
               <a:rPr lang="en-US" sz="2700" dirty="0" smtClean="0">
@@ -4316,7 +4292,7 @@
             <a:r>
               <a:rPr lang="en-US" sz="2000" dirty="0" err="1">
                 <a:solidFill>
-                  <a:schemeClr val="accent6"/>
+                  <a:schemeClr val="bg1"/>
                 </a:solidFill>
               </a:rPr>
               <a:t>ps</a:t>
@@ -4500,30 +4476,38 @@
             <a:r>
               <a:rPr lang="en-US" sz="2200" dirty="0" smtClean="0">
                 <a:solidFill>
-                  <a:schemeClr val="accent6"/>
+                  <a:srgbClr val="FF0000"/>
                 </a:solidFill>
               </a:rPr>
               <a:t>Exercise:</a:t>
             </a:r>
-            <a:br>
+            <a:r>
               <a:rPr lang="en-US" sz="2200" dirty="0" smtClean="0">
                 <a:solidFill>
                   <a:schemeClr val="accent6"/>
                 </a:solidFill>
               </a:rPr>
-            </a:br>
-            <a:r>
+              <a:t/>
+            </a:r>
+            <a:br>
               <a:rPr lang="en-US" sz="2200" dirty="0" smtClean="0">
                 <a:solidFill>
                   <a:schemeClr val="accent6"/>
                 </a:solidFill>
               </a:rPr>
+            </a:br>
+            <a:r>
+              <a:rPr lang="en-US" sz="2200" dirty="0" smtClean="0">
+                <a:solidFill>
+                  <a:schemeClr val="accent6"/>
+                </a:solidFill>
+              </a:rPr>
               <a:t>1. Find in the ‘</a:t>
             </a:r>
             <a:r>
               <a:rPr lang="en-US" sz="2200" dirty="0" err="1" smtClean="0">
                 <a:solidFill>
-                  <a:schemeClr val="accent6"/>
+                  <a:schemeClr val="bg2"/>
                 </a:solidFill>
               </a:rPr>
               <a:t>ps</a:t>
@@ -4722,7 +4706,23 @@
                   <a:schemeClr val="accent6"/>
                 </a:solidFill>
               </a:rPr>
-              <a:t>an ‘&amp;’ behind it. </a:t>
+              <a:t>an ‘</a:t>
+            </a:r>
+            <a:r>
+              <a:rPr lang="en-US" dirty="0" smtClean="0">
+                <a:solidFill>
+                  <a:schemeClr val="bg2"/>
+                </a:solidFill>
+              </a:rPr>
+              <a:t>&amp;’</a:t>
+            </a:r>
+            <a:r>
+              <a:rPr lang="en-US" dirty="0" smtClean="0">
+                <a:solidFill>
+                  <a:schemeClr val="accent6"/>
+                </a:solidFill>
+              </a:rPr>
+              <a:t> behind it. </a:t>
             </a:r>
           </a:p>
           <a:p>

--- a/7.Processes/07-Processes.pptx
+++ b/7.Processes/07-Processes.pptx
@@ -4,14 +4,19 @@
   <p:sldMasterIdLst>
     <p:sldMasterId id="2147483648" r:id="rId1"/>
   </p:sldMasterIdLst>
+  <p:notesMasterIdLst>
+    <p:notesMasterId r:id="rId11"/>
+  </p:notesMasterIdLst>
   <p:sldIdLst>
     <p:sldId id="256" r:id="rId2"/>
-    <p:sldId id="274" r:id="rId3"/>
-    <p:sldId id="271" r:id="rId4"/>
-    <p:sldId id="266" r:id="rId5"/>
-    <p:sldId id="258" r:id="rId6"/>
-    <p:sldId id="257" r:id="rId7"/>
-    <p:sldId id="275" r:id="rId8"/>
+    <p:sldId id="276" r:id="rId3"/>
+    <p:sldId id="274" r:id="rId4"/>
+    <p:sldId id="277" r:id="rId5"/>
+    <p:sldId id="271" r:id="rId6"/>
+    <p:sldId id="266" r:id="rId7"/>
+    <p:sldId id="258" r:id="rId8"/>
+    <p:sldId id="257" r:id="rId9"/>
+    <p:sldId id="275" r:id="rId10"/>
   </p:sldIdLst>
   <p:sldSz cx="9144000" cy="6858000" type="screen4x3"/>
   <p:notesSz cx="6858000" cy="9144000"/>
@@ -129,6 +134,440 @@
 </p:presentation>
 </file>
 
+<file path=ppt/notesMasters/notesMaster1.xml><?xml version="1.0" encoding="utf-8"?>
+<p:notesMaster xmlns:a="http://schemas.openxmlformats.org/drawingml/2006/main" xmlns:r="http://schemas.openxmlformats.org/officeDocument/2006/relationships" xmlns:p="http://schemas.openxmlformats.org/presentationml/2006/main">
+  <p:cSld>
+    <p:bg>
+      <p:bgRef idx="1001">
+        <a:schemeClr val="bg1"/>
+      </p:bgRef>
+    </p:bg>
+    <p:spTree>
+      <p:nvGrpSpPr>
+        <p:cNvPr id="1" name=""/>
+        <p:cNvGrpSpPr/>
+        <p:nvPr/>
+      </p:nvGrpSpPr>
+      <p:grpSpPr>
+        <a:xfrm>
+          <a:off x="0" y="0"/>
+          <a:ext cx="0" cy="0"/>
+          <a:chOff x="0" y="0"/>
+          <a:chExt cx="0" cy="0"/>
+        </a:xfrm>
+      </p:grpSpPr>
+      <p:sp>
+        <p:nvSpPr>
+          <p:cNvPr id="2" name="Header Placeholder 1"/>
+          <p:cNvSpPr>
+            <a:spLocks noGrp="1"/>
+          </p:cNvSpPr>
+          <p:nvPr>
+            <p:ph type="hdr" sz="quarter"/>
+          </p:nvPr>
+        </p:nvSpPr>
+        <p:spPr>
+          <a:xfrm>
+            <a:off x="0" y="0"/>
+            <a:ext cx="2971800" cy="458788"/>
+          </a:xfrm>
+          <a:prstGeom prst="rect">
+            <a:avLst/>
+          </a:prstGeom>
+        </p:spPr>
+        <p:txBody>
+          <a:bodyPr vert="horz" lIns="91440" tIns="45720" rIns="91440" bIns="45720" rtlCol="0"/>
+          <a:lstStyle>
+            <a:lvl1pPr algn="l">
+              <a:defRPr sz="1200"/>
+            </a:lvl1pPr>
+          </a:lstStyle>
+          <a:p>
+            <a:endParaRPr lang="en-US"/>
+          </a:p>
+        </p:txBody>
+      </p:sp>
+      <p:sp>
+        <p:nvSpPr>
+          <p:cNvPr id="3" name="Date Placeholder 2"/>
+          <p:cNvSpPr>
+            <a:spLocks noGrp="1"/>
+          </p:cNvSpPr>
+          <p:nvPr>
+            <p:ph type="dt" idx="1"/>
+          </p:nvPr>
+        </p:nvSpPr>
+        <p:spPr>
+          <a:xfrm>
+            <a:off x="3884613" y="0"/>
+            <a:ext cx="2971800" cy="458788"/>
+          </a:xfrm>
+          <a:prstGeom prst="rect">
+            <a:avLst/>
+          </a:prstGeom>
+        </p:spPr>
+        <p:txBody>
+          <a:bodyPr vert="horz" lIns="91440" tIns="45720" rIns="91440" bIns="45720" rtlCol="0"/>
+          <a:lstStyle>
+            <a:lvl1pPr algn="r">
+              <a:defRPr sz="1200"/>
+            </a:lvl1pPr>
+          </a:lstStyle>
+          <a:p>
+            <a:fld id="{A214FDBA-27FC-E44F-AA15-55042CCDDDD7}" type="datetimeFigureOut">
+              <a:rPr lang="en-US" smtClean="0"/>
+              <a:t>4/5/17</a:t>
+            </a:fld>
+            <a:endParaRPr lang="en-US"/>
+          </a:p>
+        </p:txBody>
+      </p:sp>
+      <p:sp>
+        <p:nvSpPr>
+          <p:cNvPr id="4" name="Slide Image Placeholder 3"/>
+          <p:cNvSpPr>
+            <a:spLocks noGrp="1" noRot="1" noChangeAspect="1"/>
+          </p:cNvSpPr>
+          <p:nvPr>
+            <p:ph type="sldImg" idx="2"/>
+          </p:nvPr>
+        </p:nvSpPr>
+        <p:spPr>
+          <a:xfrm>
+            <a:off x="1371600" y="1143000"/>
+            <a:ext cx="4114800" cy="3086100"/>
+          </a:xfrm>
+          <a:prstGeom prst="rect">
+            <a:avLst/>
+          </a:prstGeom>
+          <a:noFill/>
+          <a:ln w="12700">
+            <a:solidFill>
+              <a:prstClr val="black"/>
+            </a:solidFill>
+          </a:ln>
+        </p:spPr>
+        <p:txBody>
+          <a:bodyPr vert="horz" lIns="91440" tIns="45720" rIns="91440" bIns="45720" rtlCol="0" anchor="ctr"/>
+          <a:lstStyle/>
+          <a:p>
+            <a:endParaRPr lang="en-US"/>
+          </a:p>
+        </p:txBody>
+      </p:sp>
+      <p:sp>
+        <p:nvSpPr>
+          <p:cNvPr id="5" name="Notes Placeholder 4"/>
+          <p:cNvSpPr>
+            <a:spLocks noGrp="1"/>
+          </p:cNvSpPr>
+          <p:nvPr>
+            <p:ph type="body" sz="quarter" idx="3"/>
+          </p:nvPr>
+        </p:nvSpPr>
+        <p:spPr>
+          <a:xfrm>
+            <a:off x="685800" y="4400550"/>
+            <a:ext cx="5486400" cy="3600450"/>
+          </a:xfrm>
+          <a:prstGeom prst="rect">
+            <a:avLst/>
+          </a:prstGeom>
+        </p:spPr>
+        <p:txBody>
+          <a:bodyPr vert="horz" lIns="91440" tIns="45720" rIns="91440" bIns="45720" rtlCol="0"/>
+          <a:lstStyle/>
+          <a:p>
+            <a:pPr lvl="0"/>
+            <a:r>
+              <a:rPr lang="en-US" smtClean="0"/>
+              <a:t>Click to edit Master text styles</a:t>
+            </a:r>
+          </a:p>
+          <a:p>
+            <a:pPr lvl="1"/>
+            <a:r>
+              <a:rPr lang="en-US" smtClean="0"/>
+              <a:t>Second level</a:t>
+            </a:r>
+          </a:p>
+          <a:p>
+            <a:pPr lvl="2"/>
+            <a:r>
+              <a:rPr lang="en-US" smtClean="0"/>
+              <a:t>Third level</a:t>
+            </a:r>
+          </a:p>
+          <a:p>
+            <a:pPr lvl="3"/>
+            <a:r>
+              <a:rPr lang="en-US" smtClean="0"/>
+              <a:t>Fourth level</a:t>
+            </a:r>
+          </a:p>
+          <a:p>
+            <a:pPr lvl="4"/>
+            <a:r>
+              <a:rPr lang="en-US" smtClean="0"/>
+              <a:t>Fifth level</a:t>
+            </a:r>
+            <a:endParaRPr lang="en-US"/>
+          </a:p>
+        </p:txBody>
+      </p:sp>
+      <p:sp>
+        <p:nvSpPr>
+          <p:cNvPr id="6" name="Footer Placeholder 5"/>
+          <p:cNvSpPr>
+            <a:spLocks noGrp="1"/>
+          </p:cNvSpPr>
+          <p:nvPr>
+            <p:ph type="ftr" sz="quarter" idx="4"/>
+          </p:nvPr>
+        </p:nvSpPr>
+        <p:spPr>
+          <a:xfrm>
+            <a:off x="0" y="8685213"/>
+            <a:ext cx="2971800" cy="458787"/>
+          </a:xfrm>
+          <a:prstGeom prst="rect">
+            <a:avLst/>
+          </a:prstGeom>
+        </p:spPr>
+        <p:txBody>
+          <a:bodyPr vert="horz" lIns="91440" tIns="45720" rIns="91440" bIns="45720" rtlCol="0" anchor="b"/>
+          <a:lstStyle>
+            <a:lvl1pPr algn="l">
+              <a:defRPr sz="1200"/>
+            </a:lvl1pPr>
+          </a:lstStyle>
+          <a:p>
+            <a:endParaRPr lang="en-US"/>
+          </a:p>
+        </p:txBody>
+      </p:sp>
+      <p:sp>
+        <p:nvSpPr>
+          <p:cNvPr id="7" name="Slide Number Placeholder 6"/>
+          <p:cNvSpPr>
+            <a:spLocks noGrp="1"/>
+          </p:cNvSpPr>
+          <p:nvPr>
+            <p:ph type="sldNum" sz="quarter" idx="5"/>
+          </p:nvPr>
+        </p:nvSpPr>
+        <p:spPr>
+          <a:xfrm>
+            <a:off x="3884613" y="8685213"/>
+            <a:ext cx="2971800" cy="458787"/>
+          </a:xfrm>
+          <a:prstGeom prst="rect">
+            <a:avLst/>
+          </a:prstGeom>
+        </p:spPr>
+        <p:txBody>
+          <a:bodyPr vert="horz" lIns="91440" tIns="45720" rIns="91440" bIns="45720" rtlCol="0" anchor="b"/>
+          <a:lstStyle>
+            <a:lvl1pPr algn="r">
+              <a:defRPr sz="1200"/>
+            </a:lvl1pPr>
+          </a:lstStyle>
+          <a:p>
+            <a:fld id="{620E4D46-35BE-944B-B27D-7CD793E165E7}" type="slidenum">
+              <a:rPr lang="en-US" smtClean="0"/>
+              <a:t>‹#›</a:t>
+            </a:fld>
+            <a:endParaRPr lang="en-US"/>
+          </a:p>
+        </p:txBody>
+      </p:sp>
+    </p:spTree>
+    <p:extLst>
+      <p:ext uri="{BB962C8B-B14F-4D97-AF65-F5344CB8AC3E}">
+        <p14:creationId xmlns:p14="http://schemas.microsoft.com/office/powerpoint/2010/main" val="1279203174"/>
+      </p:ext>
+    </p:extLst>
+  </p:cSld>
+  <p:clrMap bg1="lt1" tx1="dk1" bg2="lt2" tx2="dk2" accent1="accent1" accent2="accent2" accent3="accent3" accent4="accent4" accent5="accent5" accent6="accent6" hlink="hlink" folHlink="folHlink"/>
+  <p:notesStyle>
+    <a:lvl1pPr marL="0" algn="l" defTabSz="914400" rtl="0" eaLnBrk="1" latinLnBrk="0" hangingPunct="1">
+      <a:defRPr sz="1200" kern="1200">
+        <a:solidFill>
+          <a:schemeClr val="tx1"/>
+        </a:solidFill>
+        <a:latin typeface="+mn-lt"/>
+        <a:ea typeface="+mn-ea"/>
+        <a:cs typeface="+mn-cs"/>
+      </a:defRPr>
+    </a:lvl1pPr>
+    <a:lvl2pPr marL="457200" algn="l" defTabSz="914400" rtl="0" eaLnBrk="1" latinLnBrk="0" hangingPunct="1">
+      <a:defRPr sz="1200" kern="1200">
+        <a:solidFill>
+          <a:schemeClr val="tx1"/>
+        </a:solidFill>
+        <a:latin typeface="+mn-lt"/>
+        <a:ea typeface="+mn-ea"/>
+        <a:cs typeface="+mn-cs"/>
+      </a:defRPr>
+    </a:lvl2pPr>
+    <a:lvl3pPr marL="914400" algn="l" defTabSz="914400" rtl="0" eaLnBrk="1" latinLnBrk="0" hangingPunct="1">
+      <a:defRPr sz="1200" kern="1200">
+        <a:solidFill>
+          <a:schemeClr val="tx1"/>
+        </a:solidFill>
+        <a:latin typeface="+mn-lt"/>
+        <a:ea typeface="+mn-ea"/>
+        <a:cs typeface="+mn-cs"/>
+      </a:defRPr>
+    </a:lvl3pPr>
+    <a:lvl4pPr marL="1371600" algn="l" defTabSz="914400" rtl="0" eaLnBrk="1" latinLnBrk="0" hangingPunct="1">
+      <a:defRPr sz="1200" kern="1200">
+        <a:solidFill>
+          <a:schemeClr val="tx1"/>
+        </a:solidFill>
+        <a:latin typeface="+mn-lt"/>
+        <a:ea typeface="+mn-ea"/>
+        <a:cs typeface="+mn-cs"/>
+      </a:defRPr>
+    </a:lvl4pPr>
+    <a:lvl5pPr marL="1828800" algn="l" defTabSz="914400" rtl="0" eaLnBrk="1" latinLnBrk="0" hangingPunct="1">
+      <a:defRPr sz="1200" kern="1200">
+        <a:solidFill>
+          <a:schemeClr val="tx1"/>
+        </a:solidFill>
+        <a:latin typeface="+mn-lt"/>
+        <a:ea typeface="+mn-ea"/>
+        <a:cs typeface="+mn-cs"/>
+      </a:defRPr>
+    </a:lvl5pPr>
+    <a:lvl6pPr marL="2286000" algn="l" defTabSz="914400" rtl="0" eaLnBrk="1" latinLnBrk="0" hangingPunct="1">
+      <a:defRPr sz="1200" kern="1200">
+        <a:solidFill>
+          <a:schemeClr val="tx1"/>
+        </a:solidFill>
+        <a:latin typeface="+mn-lt"/>
+        <a:ea typeface="+mn-ea"/>
+        <a:cs typeface="+mn-cs"/>
+      </a:defRPr>
+    </a:lvl6pPr>
+    <a:lvl7pPr marL="2743200" algn="l" defTabSz="914400" rtl="0" eaLnBrk="1" latinLnBrk="0" hangingPunct="1">
+      <a:defRPr sz="1200" kern="1200">
+        <a:solidFill>
+          <a:schemeClr val="tx1"/>
+        </a:solidFill>
+        <a:latin typeface="+mn-lt"/>
+        <a:ea typeface="+mn-ea"/>
+        <a:cs typeface="+mn-cs"/>
+      </a:defRPr>
+    </a:lvl7pPr>
+    <a:lvl8pPr marL="3200400" algn="l" defTabSz="914400" rtl="0" eaLnBrk="1" latinLnBrk="0" hangingPunct="1">
+      <a:defRPr sz="1200" kern="1200">
+        <a:solidFill>
+          <a:schemeClr val="tx1"/>
+        </a:solidFill>
+        <a:latin typeface="+mn-lt"/>
+        <a:ea typeface="+mn-ea"/>
+        <a:cs typeface="+mn-cs"/>
+      </a:defRPr>
+    </a:lvl8pPr>
+    <a:lvl9pPr marL="3657600" algn="l" defTabSz="914400" rtl="0" eaLnBrk="1" latinLnBrk="0" hangingPunct="1">
+      <a:defRPr sz="1200" kern="1200">
+        <a:solidFill>
+          <a:schemeClr val="tx1"/>
+        </a:solidFill>
+        <a:latin typeface="+mn-lt"/>
+        <a:ea typeface="+mn-ea"/>
+        <a:cs typeface="+mn-cs"/>
+      </a:defRPr>
+    </a:lvl9pPr>
+  </p:notesStyle>
+</p:notesMaster>
+</file>
+
+<file path=ppt/notesSlides/notesSlide1.xml><?xml version="1.0" encoding="utf-8"?>
+<p:notes xmlns:a="http://schemas.openxmlformats.org/drawingml/2006/main" xmlns:r="http://schemas.openxmlformats.org/officeDocument/2006/relationships" xmlns:p="http://schemas.openxmlformats.org/presentationml/2006/main">
+  <p:cSld>
+    <p:spTree>
+      <p:nvGrpSpPr>
+        <p:cNvPr id="1" name=""/>
+        <p:cNvGrpSpPr/>
+        <p:nvPr/>
+      </p:nvGrpSpPr>
+      <p:grpSpPr>
+        <a:xfrm>
+          <a:off x="0" y="0"/>
+          <a:ext cx="0" cy="0"/>
+          <a:chOff x="0" y="0"/>
+          <a:chExt cx="0" cy="0"/>
+        </a:xfrm>
+      </p:grpSpPr>
+      <p:sp>
+        <p:nvSpPr>
+          <p:cNvPr id="2" name="Slide Image Placeholder 1"/>
+          <p:cNvSpPr>
+            <a:spLocks noGrp="1" noRot="1" noChangeAspect="1"/>
+          </p:cNvSpPr>
+          <p:nvPr>
+            <p:ph type="sldImg"/>
+          </p:nvPr>
+        </p:nvSpPr>
+        <p:spPr/>
+      </p:sp>
+      <p:sp>
+        <p:nvSpPr>
+          <p:cNvPr id="3" name="Notes Placeholder 2"/>
+          <p:cNvSpPr>
+            <a:spLocks noGrp="1"/>
+          </p:cNvSpPr>
+          <p:nvPr>
+            <p:ph type="body" idx="1"/>
+          </p:nvPr>
+        </p:nvSpPr>
+        <p:spPr/>
+        <p:txBody>
+          <a:bodyPr/>
+          <a:lstStyle/>
+          <a:p>
+            <a:endParaRPr lang="en-US" dirty="0"/>
+          </a:p>
+        </p:txBody>
+      </p:sp>
+      <p:sp>
+        <p:nvSpPr>
+          <p:cNvPr id="4" name="Slide Number Placeholder 3"/>
+          <p:cNvSpPr>
+            <a:spLocks noGrp="1"/>
+          </p:cNvSpPr>
+          <p:nvPr>
+            <p:ph type="sldNum" sz="quarter" idx="10"/>
+          </p:nvPr>
+        </p:nvSpPr>
+        <p:spPr/>
+        <p:txBody>
+          <a:bodyPr/>
+          <a:lstStyle/>
+          <a:p>
+            <a:fld id="{620E4D46-35BE-944B-B27D-7CD793E165E7}" type="slidenum">
+              <a:rPr lang="en-US" smtClean="0"/>
+              <a:t>4</a:t>
+            </a:fld>
+            <a:endParaRPr lang="en-US"/>
+          </a:p>
+        </p:txBody>
+      </p:sp>
+    </p:spTree>
+    <p:extLst>
+      <p:ext uri="{BB962C8B-B14F-4D97-AF65-F5344CB8AC3E}">
+        <p14:creationId xmlns:p14="http://schemas.microsoft.com/office/powerpoint/2010/main" val="1108955301"/>
+      </p:ext>
+    </p:extLst>
+  </p:cSld>
+  <p:clrMapOvr>
+    <a:masterClrMapping/>
+  </p:clrMapOvr>
+</p:notes>
+</file>
+
 <file path=ppt/slideLayouts/slideLayout1.xml><?xml version="1.0" encoding="utf-8"?>
 <p:sldLayout xmlns:a="http://schemas.openxmlformats.org/drawingml/2006/main" xmlns:r="http://schemas.openxmlformats.org/officeDocument/2006/relationships" xmlns:p="http://schemas.openxmlformats.org/presentationml/2006/main" type="title" preserve="1">
   <p:cSld name="Title Slide">
@@ -310,7 +749,7 @@
           <a:p>
             <a:fld id="{3EA744D9-3FBE-48D8-BF2A-85DF203E4D20}" type="datetimeFigureOut">
               <a:rPr lang="bg-BG" smtClean="0"/>
-              <a:t>21.03.17 г.</a:t>
+              <a:t>5.04.17 г.</a:t>
             </a:fld>
             <a:endParaRPr lang="bg-BG"/>
           </a:p>
@@ -480,7 +919,7 @@
           <a:p>
             <a:fld id="{3EA744D9-3FBE-48D8-BF2A-85DF203E4D20}" type="datetimeFigureOut">
               <a:rPr lang="bg-BG" smtClean="0"/>
-              <a:t>21.03.17 г.</a:t>
+              <a:t>5.04.17 г.</a:t>
             </a:fld>
             <a:endParaRPr lang="bg-BG"/>
           </a:p>
@@ -660,7 +1099,7 @@
           <a:p>
             <a:fld id="{3EA744D9-3FBE-48D8-BF2A-85DF203E4D20}" type="datetimeFigureOut">
               <a:rPr lang="bg-BG" smtClean="0"/>
-              <a:t>21.03.17 г.</a:t>
+              <a:t>5.04.17 г.</a:t>
             </a:fld>
             <a:endParaRPr lang="bg-BG"/>
           </a:p>
@@ -830,7 +1269,7 @@
           <a:p>
             <a:fld id="{3EA744D9-3FBE-48D8-BF2A-85DF203E4D20}" type="datetimeFigureOut">
               <a:rPr lang="bg-BG" smtClean="0"/>
-              <a:t>21.03.17 г.</a:t>
+              <a:t>5.04.17 г.</a:t>
             </a:fld>
             <a:endParaRPr lang="bg-BG"/>
           </a:p>
@@ -1076,7 +1515,7 @@
           <a:p>
             <a:fld id="{3EA744D9-3FBE-48D8-BF2A-85DF203E4D20}" type="datetimeFigureOut">
               <a:rPr lang="bg-BG" smtClean="0"/>
-              <a:t>21.03.17 г.</a:t>
+              <a:t>5.04.17 г.</a:t>
             </a:fld>
             <a:endParaRPr lang="bg-BG"/>
           </a:p>
@@ -1364,7 +1803,7 @@
           <a:p>
             <a:fld id="{3EA744D9-3FBE-48D8-BF2A-85DF203E4D20}" type="datetimeFigureOut">
               <a:rPr lang="bg-BG" smtClean="0"/>
-              <a:t>21.03.17 г.</a:t>
+              <a:t>5.04.17 г.</a:t>
             </a:fld>
             <a:endParaRPr lang="bg-BG"/>
           </a:p>
@@ -1786,7 +2225,7 @@
           <a:p>
             <a:fld id="{3EA744D9-3FBE-48D8-BF2A-85DF203E4D20}" type="datetimeFigureOut">
               <a:rPr lang="bg-BG" smtClean="0"/>
-              <a:t>21.03.17 г.</a:t>
+              <a:t>5.04.17 г.</a:t>
             </a:fld>
             <a:endParaRPr lang="bg-BG"/>
           </a:p>
@@ -1904,7 +2343,7 @@
           <a:p>
             <a:fld id="{3EA744D9-3FBE-48D8-BF2A-85DF203E4D20}" type="datetimeFigureOut">
               <a:rPr lang="bg-BG" smtClean="0"/>
-              <a:t>21.03.17 г.</a:t>
+              <a:t>5.04.17 г.</a:t>
             </a:fld>
             <a:endParaRPr lang="bg-BG"/>
           </a:p>
@@ -1999,7 +2438,7 @@
           <a:p>
             <a:fld id="{3EA744D9-3FBE-48D8-BF2A-85DF203E4D20}" type="datetimeFigureOut">
               <a:rPr lang="bg-BG" smtClean="0"/>
-              <a:t>21.03.17 г.</a:t>
+              <a:t>5.04.17 г.</a:t>
             </a:fld>
             <a:endParaRPr lang="bg-BG"/>
           </a:p>
@@ -2276,7 +2715,7 @@
           <a:p>
             <a:fld id="{3EA744D9-3FBE-48D8-BF2A-85DF203E4D20}" type="datetimeFigureOut">
               <a:rPr lang="bg-BG" smtClean="0"/>
-              <a:t>21.03.17 г.</a:t>
+              <a:t>5.04.17 г.</a:t>
             </a:fld>
             <a:endParaRPr lang="bg-BG"/>
           </a:p>
@@ -2529,7 +2968,7 @@
           <a:p>
             <a:fld id="{3EA744D9-3FBE-48D8-BF2A-85DF203E4D20}" type="datetimeFigureOut">
               <a:rPr lang="bg-BG" smtClean="0"/>
-              <a:t>21.03.17 г.</a:t>
+              <a:t>5.04.17 г.</a:t>
             </a:fld>
             <a:endParaRPr lang="bg-BG"/>
           </a:p>
@@ -2751,7 +3190,7 @@
           <a:p>
             <a:fld id="{3EA744D9-3FBE-48D8-BF2A-85DF203E4D20}" type="datetimeFigureOut">
               <a:rPr lang="bg-BG" smtClean="0"/>
-              <a:t>21.03.17 г.</a:t>
+              <a:t>5.04.17 г.</a:t>
             </a:fld>
             <a:endParaRPr lang="bg-BG"/>
           </a:p>
@@ -3464,147 +3903,185 @@
               </a:rPr>
             </a:br>
             <a:r>
+              <a:rPr lang="en-US" sz="3100" dirty="0" smtClean="0">
+                <a:solidFill>
+                  <a:schemeClr val="accent6"/>
+                </a:solidFill>
+              </a:rPr>
+              <a:t/>
+            </a:r>
+            <a:br>
+              <a:rPr lang="en-US" sz="3100" dirty="0" smtClean="0">
+                <a:solidFill>
+                  <a:schemeClr val="accent6"/>
+                </a:solidFill>
+              </a:rPr>
+            </a:br>
+            <a:r>
+              <a:rPr lang="en-US" sz="3100" dirty="0">
+                <a:solidFill>
+                  <a:schemeClr val="accent6"/>
+                </a:solidFill>
+              </a:rPr>
+              <a:t/>
+            </a:r>
+            <a:br>
+              <a:rPr lang="en-US" sz="3100" dirty="0">
+                <a:solidFill>
+                  <a:schemeClr val="accent6"/>
+                </a:solidFill>
+              </a:rPr>
+            </a:br>
+            <a:r>
+              <a:rPr lang="en-US" sz="3100" dirty="0" smtClean="0">
+                <a:solidFill>
+                  <a:schemeClr val="accent6"/>
+                </a:solidFill>
+              </a:rPr>
+              <a:t>A process is a running instance of launched, executable program(browser, office suite).</a:t>
+            </a:r>
+            <a:br>
+              <a:rPr lang="en-US" sz="3100" dirty="0" smtClean="0">
+                <a:solidFill>
+                  <a:schemeClr val="accent6"/>
+                </a:solidFill>
+              </a:rPr>
+            </a:br>
+            <a:r>
+              <a:rPr lang="en-US" sz="3100" dirty="0" smtClean="0">
+                <a:solidFill>
+                  <a:schemeClr val="accent6"/>
+                </a:solidFill>
+              </a:rPr>
+              <a:t/>
+            </a:r>
+            <a:br>
+              <a:rPr lang="en-US" sz="3100" dirty="0" smtClean="0">
+                <a:solidFill>
+                  <a:schemeClr val="accent6"/>
+                </a:solidFill>
+              </a:rPr>
+            </a:br>
+            <a:r>
+              <a:rPr lang="en-US" sz="3100" dirty="0" smtClean="0">
+                <a:solidFill>
+                  <a:schemeClr val="accent6"/>
+                </a:solidFill>
+              </a:rPr>
+              <a:t> A process consist of</a:t>
+            </a:r>
+            <a:br>
+              <a:rPr lang="en-US" sz="3100" dirty="0" smtClean="0">
+                <a:solidFill>
+                  <a:schemeClr val="accent6"/>
+                </a:solidFill>
+              </a:rPr>
+            </a:br>
+            <a:r>
+              <a:rPr lang="en-US" sz="3100" dirty="0" smtClean="0">
+                <a:solidFill>
+                  <a:schemeClr val="accent6"/>
+                </a:solidFill>
+              </a:rPr>
+              <a:t>an address space of allocated memory.</a:t>
+            </a:r>
+            <a:br>
+              <a:rPr lang="en-US" sz="3100" dirty="0" smtClean="0">
+                <a:solidFill>
+                  <a:schemeClr val="accent6"/>
+                </a:solidFill>
+              </a:rPr>
+            </a:br>
+            <a:r>
+              <a:rPr lang="en-US" sz="3100" dirty="0" smtClean="0">
+                <a:solidFill>
+                  <a:schemeClr val="accent6"/>
+                </a:solidFill>
+              </a:rPr>
+              <a:t/>
+            </a:r>
+            <a:br>
+              <a:rPr lang="en-US" sz="3100" dirty="0" smtClean="0">
+                <a:solidFill>
+                  <a:schemeClr val="accent6"/>
+                </a:solidFill>
+              </a:rPr>
+            </a:br>
+            <a:r>
+              <a:rPr lang="en-US" sz="3100" dirty="0" smtClean="0">
+                <a:solidFill>
+                  <a:schemeClr val="accent6"/>
+                </a:solidFill>
+              </a:rPr>
+              <a:t>Security properties, including ownership credentials and privileges.</a:t>
+            </a:r>
+            <a:br>
+              <a:rPr lang="en-US" sz="3100" dirty="0" smtClean="0">
+                <a:solidFill>
+                  <a:schemeClr val="accent6"/>
+                </a:solidFill>
+              </a:rPr>
+            </a:br>
+            <a:r>
+              <a:rPr lang="en-US" sz="3100" dirty="0" smtClean="0">
+                <a:solidFill>
+                  <a:schemeClr val="accent6"/>
+                </a:solidFill>
+              </a:rPr>
+              <a:t/>
+            </a:r>
+            <a:br>
+              <a:rPr lang="en-US" sz="3100" dirty="0" smtClean="0">
+                <a:solidFill>
+                  <a:schemeClr val="accent6"/>
+                </a:solidFill>
+              </a:rPr>
+            </a:br>
+            <a:r>
+              <a:rPr lang="en-US" sz="3100" dirty="0" smtClean="0">
+                <a:solidFill>
+                  <a:schemeClr val="accent6"/>
+                </a:solidFill>
+              </a:rPr>
+              <a:t>One or more execution threads of program code.</a:t>
+            </a:r>
+            <a:br>
+              <a:rPr lang="en-US" sz="3100" dirty="0" smtClean="0">
+                <a:solidFill>
+                  <a:schemeClr val="accent6"/>
+                </a:solidFill>
+              </a:rPr>
+            </a:br>
+            <a:r>
+              <a:rPr lang="en-US" sz="3100" dirty="0" smtClean="0">
+                <a:solidFill>
+                  <a:schemeClr val="accent6"/>
+                </a:solidFill>
+              </a:rPr>
+              <a:t/>
+            </a:r>
+            <a:br>
+              <a:rPr lang="en-US" sz="3100" dirty="0" smtClean="0">
+                <a:solidFill>
+                  <a:schemeClr val="accent6"/>
+                </a:solidFill>
+              </a:rPr>
+            </a:br>
+            <a:r>
+              <a:rPr lang="en-US" sz="3100" dirty="0" smtClean="0">
+                <a:solidFill>
+                  <a:schemeClr val="accent6"/>
+                </a:solidFill>
+              </a:rPr>
+              <a:t>A process state.</a:t>
+            </a:r>
+            <a:r>
               <a:rPr lang="en-US" sz="2700" dirty="0" smtClean="0">
                 <a:solidFill>
                   <a:schemeClr val="accent6"/>
                 </a:solidFill>
               </a:rPr>
-              <a:t>For everything that happens on Linux, a process is started.  A process is a running instance of a launched, executable program. A process consists of: </a:t>
-            </a:r>
-            <a:br>
-              <a:rPr lang="en-US" sz="2700" dirty="0" smtClean="0">
-                <a:solidFill>
-                  <a:schemeClr val="accent6"/>
-                </a:solidFill>
-              </a:rPr>
-            </a:br>
-            <a:r>
-              <a:rPr lang="en-US" sz="2700" dirty="0" smtClean="0">
-                <a:solidFill>
-                  <a:schemeClr val="accent6"/>
-                </a:solidFill>
-              </a:rPr>
-              <a:t>1. Address space of allocated memory.</a:t>
-            </a:r>
-            <a:br>
-              <a:rPr lang="en-US" sz="2700" dirty="0" smtClean="0">
-                <a:solidFill>
-                  <a:schemeClr val="accent6"/>
-                </a:solidFill>
-              </a:rPr>
-            </a:br>
-            <a:r>
-              <a:rPr lang="en-US" sz="2700" dirty="0" smtClean="0">
-                <a:solidFill>
-                  <a:schemeClr val="accent6"/>
-                </a:solidFill>
-              </a:rPr>
-              <a:t>2. Security properties </a:t>
-            </a:r>
-            <a:br>
-              <a:rPr lang="en-US" sz="2700" dirty="0" smtClean="0">
-                <a:solidFill>
-                  <a:schemeClr val="accent6"/>
-                </a:solidFill>
-              </a:rPr>
-            </a:br>
-            <a:r>
-              <a:rPr lang="en-US" sz="2700" dirty="0" smtClean="0">
-                <a:solidFill>
-                  <a:schemeClr val="accent6"/>
-                </a:solidFill>
-              </a:rPr>
-              <a:t>3. One or more execution threads.</a:t>
-            </a:r>
-            <a:br>
-              <a:rPr lang="en-US" sz="2700" dirty="0" smtClean="0">
-                <a:solidFill>
-                  <a:schemeClr val="accent6"/>
-                </a:solidFill>
-              </a:rPr>
-            </a:br>
-            <a:r>
-              <a:rPr lang="en-US" sz="2700" dirty="0" smtClean="0">
-                <a:solidFill>
-                  <a:schemeClr val="accent6"/>
-                </a:solidFill>
-              </a:rPr>
-              <a:t>4. A state.</a:t>
-            </a:r>
-            <a:br>
-              <a:rPr lang="en-US" sz="2700" dirty="0" smtClean="0">
-                <a:solidFill>
-                  <a:schemeClr val="accent6"/>
-                </a:solidFill>
-              </a:rPr>
-            </a:br>
-            <a:r>
-              <a:rPr lang="en-US" sz="2700" dirty="0" smtClean="0">
-                <a:solidFill>
-                  <a:schemeClr val="accent6"/>
-                </a:solidFill>
-              </a:rPr>
-              <a:t>5. ID number.</a:t>
-            </a:r>
-            <a:br>
-              <a:rPr lang="en-US" sz="2700" dirty="0" smtClean="0">
-                <a:solidFill>
-                  <a:schemeClr val="accent6"/>
-                </a:solidFill>
-              </a:rPr>
-            </a:br>
-            <a:r>
-              <a:rPr lang="en-US" sz="2700" dirty="0">
-                <a:solidFill>
-                  <a:schemeClr val="accent6"/>
-                </a:solidFill>
-              </a:rPr>
-              <a:t/>
-            </a:r>
-            <a:br>
-              <a:rPr lang="en-US" sz="2700" dirty="0">
-                <a:solidFill>
-                  <a:schemeClr val="accent6"/>
-                </a:solidFill>
-              </a:rPr>
-            </a:br>
-            <a:r>
-              <a:rPr lang="en-US" sz="2700" dirty="0" smtClean="0">
-                <a:solidFill>
-                  <a:schemeClr val="accent6"/>
-                </a:solidFill>
-              </a:rPr>
-              <a:t>A distinction between: </a:t>
-            </a:r>
-            <a:br>
-              <a:rPr lang="en-US" sz="2700" dirty="0" smtClean="0">
-                <a:solidFill>
-                  <a:schemeClr val="accent6"/>
-                </a:solidFill>
-              </a:rPr>
-            </a:br>
-            <a:r>
-              <a:rPr lang="en-US" sz="2700" dirty="0" smtClean="0">
-                <a:solidFill>
-                  <a:schemeClr val="accent6"/>
-                </a:solidFill>
-              </a:rPr>
-              <a:t>1. Shell jobs are commands started from the command line</a:t>
-            </a:r>
-            <a:br>
-              <a:rPr lang="en-US" sz="2700" dirty="0" smtClean="0">
-                <a:solidFill>
-                  <a:schemeClr val="accent6"/>
-                </a:solidFill>
-              </a:rPr>
-            </a:br>
-            <a:r>
-              <a:rPr lang="en-US" sz="2700" dirty="0" smtClean="0">
-                <a:solidFill>
-                  <a:schemeClr val="accent6"/>
-                </a:solidFill>
-              </a:rPr>
-              <a:t>2. Daemons are processes that provide services.</a:t>
+              <a:t/>
             </a:r>
             <a:br>
               <a:rPr lang="en-US" sz="2700" dirty="0" smtClean="0">
@@ -3878,7 +4355,7 @@
         </p:nvSpPr>
         <p:spPr>
           <a:xfrm>
-            <a:off x="1524000" y="732790"/>
+            <a:off x="1371600" y="714544"/>
             <a:ext cx="7924800" cy="2308324"/>
           </a:xfrm>
           <a:prstGeom prst="rect">
@@ -3893,7 +4370,7 @@
           <a:lstStyle/>
           <a:p>
             <a:r>
-              <a:rPr lang="en-US" sz="3600" dirty="0" smtClean="0">
+              <a:rPr lang="en-US" sz="3600" dirty="0">
                 <a:ln w="0"/>
                 <a:solidFill>
                   <a:schemeClr val="accent1"/>
@@ -3906,8 +4383,53 @@
                   </a:outerShdw>
                 </a:effectLst>
               </a:rPr>
-              <a:t>		Processes</a:t>
-            </a:r>
+              <a:t>	</a:t>
+            </a:r>
+            <a:r>
+              <a:rPr lang="en-US" sz="3600" dirty="0" smtClean="0">
+                <a:ln w="0"/>
+                <a:solidFill>
+                  <a:schemeClr val="accent1"/>
+                </a:solidFill>
+                <a:effectLst>
+                  <a:outerShdw blurRad="38100" dist="25400" dir="5400000" algn="ctr" rotWithShape="0">
+                    <a:srgbClr val="6E747A">
+                      <a:alpha val="43000"/>
+                    </a:srgbClr>
+                  </a:outerShdw>
+                </a:effectLst>
+              </a:rPr>
+              <a:t>	</a:t>
+            </a:r>
+            <a:r>
+              <a:rPr lang="en-US" sz="3600" dirty="0" smtClean="0">
+                <a:ln w="0"/>
+                <a:solidFill>
+                  <a:schemeClr val="accent1"/>
+                </a:solidFill>
+                <a:effectLst>
+                  <a:outerShdw blurRad="38100" dist="25400" dir="5400000" algn="ctr" rotWithShape="0">
+                    <a:srgbClr val="6E747A">
+                      <a:alpha val="43000"/>
+                    </a:srgbClr>
+                  </a:outerShdw>
+                </a:effectLst>
+              </a:rPr>
+              <a:t>Processes</a:t>
+            </a:r>
+            <a:endParaRPr lang="en-US" sz="3600" dirty="0" smtClean="0">
+              <a:ln w="0"/>
+              <a:solidFill>
+                <a:schemeClr val="accent1"/>
+              </a:solidFill>
+              <a:effectLst>
+                <a:outerShdw blurRad="38100" dist="25400" dir="5400000" algn="ctr" rotWithShape="0">
+                  <a:srgbClr val="6E747A">
+                    <a:alpha val="43000"/>
+                  </a:srgbClr>
+                </a:outerShdw>
+              </a:effectLst>
+            </a:endParaRPr>
           </a:p>
           <a:p>
             <a:endParaRPr lang="en-US" sz="3600" dirty="0" smtClean="0">
@@ -4025,6 +4547,217 @@
           <a:lstStyle/>
           <a:p>
             <a:r>
+              <a:rPr lang="en-US" sz="3200" dirty="0" smtClean="0"/>
+              <a:t>An</a:t>
+            </a:r>
+            <a:br>
+              <a:rPr lang="en-US" sz="3200" dirty="0" smtClean="0"/>
+            </a:br>
+            <a:r>
+              <a:rPr lang="en-US" sz="3200" dirty="0"/>
+              <a:t/>
+            </a:r>
+            <a:br>
+              <a:rPr lang="en-US" sz="3200" dirty="0"/>
+            </a:br>
+            <a:r>
+              <a:rPr lang="en-US" sz="3200" dirty="0" smtClean="0"/>
+              <a:t/>
+            </a:r>
+            <a:br>
+              <a:rPr lang="en-US" sz="3200" dirty="0" smtClean="0"/>
+            </a:br>
+            <a:r>
+              <a:rPr lang="en-US" sz="3200" dirty="0"/>
+              <a:t/>
+            </a:r>
+            <a:br>
+              <a:rPr lang="en-US" sz="3200" dirty="0"/>
+            </a:br>
+            <a:r>
+              <a:rPr lang="en-US" sz="3200" dirty="0" smtClean="0"/>
+              <a:t/>
+            </a:r>
+            <a:br>
+              <a:rPr lang="en-US" sz="3200" dirty="0" smtClean="0"/>
+            </a:br>
+            <a:r>
+              <a:rPr lang="en-US" sz="3200" dirty="0"/>
+              <a:t/>
+            </a:r>
+            <a:br>
+              <a:rPr lang="en-US" sz="3200" dirty="0"/>
+            </a:br>
+            <a:r>
+              <a:rPr lang="en-US" sz="3200" dirty="0" smtClean="0"/>
+              <a:t/>
+            </a:r>
+            <a:br>
+              <a:rPr lang="en-US" sz="3200" dirty="0" smtClean="0"/>
+            </a:br>
+            <a:r>
+              <a:rPr lang="en-US" sz="3200" dirty="0"/>
+              <a:t/>
+            </a:r>
+            <a:br>
+              <a:rPr lang="en-US" sz="3200" dirty="0"/>
+            </a:br>
+            <a:r>
+              <a:rPr lang="en-US" sz="3200" dirty="0" smtClean="0"/>
+              <a:t>A</a:t>
+            </a:r>
+            <a:br>
+              <a:rPr lang="en-US" sz="3200" dirty="0" smtClean="0"/>
+            </a:br>
+            <a:r>
+              <a:rPr lang="en-US" sz="2700" dirty="0" smtClean="0">
+                <a:solidFill>
+                  <a:schemeClr val="accent6"/>
+                </a:solidFill>
+              </a:rPr>
+              <a:t>An existing (parent) process duplicates its own address space(fork) to create a new (child) process structure. </a:t>
+            </a:r>
+            <a:br>
+              <a:rPr lang="en-US" sz="2700" dirty="0" smtClean="0">
+                <a:solidFill>
+                  <a:schemeClr val="accent6"/>
+                </a:solidFill>
+              </a:rPr>
+            </a:br>
+            <a:r>
+              <a:rPr lang="en-US" sz="2700" dirty="0">
+                <a:solidFill>
+                  <a:schemeClr val="accent6"/>
+                </a:solidFill>
+              </a:rPr>
+              <a:t/>
+            </a:r>
+            <a:br>
+              <a:rPr lang="en-US" sz="2700" dirty="0">
+                <a:solidFill>
+                  <a:schemeClr val="accent6"/>
+                </a:solidFill>
+              </a:rPr>
+            </a:br>
+            <a:r>
+              <a:rPr lang="en-US" sz="2700" dirty="0" smtClean="0">
+                <a:solidFill>
+                  <a:schemeClr val="accent6"/>
+                </a:solidFill>
+              </a:rPr>
+              <a:t>Every new process is assigned a unique process ID(PID) for tracking and security. The PID and the parent’s process ID(PPID) are elements of the new process environment</a:t>
+            </a:r>
+            <a:r>
+              <a:rPr lang="en-US" sz="3200" dirty="0" smtClean="0">
+                <a:solidFill>
+                  <a:schemeClr val="accent6"/>
+                </a:solidFill>
+              </a:rPr>
+              <a:t>.</a:t>
+            </a:r>
+            <a:br>
+              <a:rPr lang="en-US" sz="3200" dirty="0" smtClean="0">
+                <a:solidFill>
+                  <a:schemeClr val="accent6"/>
+                </a:solidFill>
+              </a:rPr>
+            </a:br>
+            <a:r>
+              <a:rPr lang="en-US" sz="3200" dirty="0">
+                <a:solidFill>
+                  <a:schemeClr val="accent6"/>
+                </a:solidFill>
+              </a:rPr>
+              <a:t/>
+            </a:r>
+            <a:br>
+              <a:rPr lang="en-US" sz="3200" dirty="0">
+                <a:solidFill>
+                  <a:schemeClr val="accent6"/>
+                </a:solidFill>
+              </a:rPr>
+            </a:br>
+            <a:endParaRPr lang="en-US" sz="3200" dirty="0"/>
+          </a:p>
+        </p:txBody>
+      </p:sp>
+      <p:pic>
+        <p:nvPicPr>
+          <p:cNvPr id="4" name="Content Placeholder 3"/>
+          <p:cNvPicPr>
+            <a:picLocks noGrp="1" noChangeAspect="1"/>
+          </p:cNvPicPr>
+          <p:nvPr>
+            <p:ph idx="1"/>
+          </p:nvPr>
+        </p:nvPicPr>
+        <p:blipFill>
+          <a:blip r:embed="rId2">
+            <a:extLst>
+              <a:ext uri="{28A0092B-C50C-407E-A947-70E740481C1C}">
+                <a14:useLocalDpi xmlns:a14="http://schemas.microsoft.com/office/drawing/2010/main" val="0"/>
+              </a:ext>
+            </a:extLst>
+          </a:blip>
+          <a:stretch>
+            <a:fillRect/>
+          </a:stretch>
+        </p:blipFill>
+        <p:spPr>
+          <a:xfrm>
+            <a:off x="481314" y="3886200"/>
+            <a:ext cx="8229600" cy="2217992"/>
+          </a:xfrm>
+        </p:spPr>
+      </p:pic>
+    </p:spTree>
+    <p:extLst>
+      <p:ext uri="{BB962C8B-B14F-4D97-AF65-F5344CB8AC3E}">
+        <p14:creationId xmlns:p14="http://schemas.microsoft.com/office/powerpoint/2010/main" val="1250257837"/>
+      </p:ext>
+    </p:extLst>
+  </p:cSld>
+  <p:clrMapOvr>
+    <a:masterClrMapping/>
+  </p:clrMapOvr>
+</p:sld>
+</file>
+
+<file path=ppt/slides/slide3.xml><?xml version="1.0" encoding="utf-8"?>
+<p:sld xmlns:a="http://schemas.openxmlformats.org/drawingml/2006/main" xmlns:r="http://schemas.openxmlformats.org/officeDocument/2006/relationships" xmlns:p="http://schemas.openxmlformats.org/presentationml/2006/main">
+  <p:cSld>
+    <p:spTree>
+      <p:nvGrpSpPr>
+        <p:cNvPr id="1" name=""/>
+        <p:cNvGrpSpPr/>
+        <p:nvPr/>
+      </p:nvGrpSpPr>
+      <p:grpSpPr>
+        <a:xfrm>
+          <a:off x="0" y="0"/>
+          <a:ext cx="0" cy="0"/>
+          <a:chOff x="0" y="0"/>
+          <a:chExt cx="0" cy="0"/>
+        </a:xfrm>
+      </p:grpSpPr>
+      <p:sp>
+        <p:nvSpPr>
+          <p:cNvPr id="2" name="Title 1"/>
+          <p:cNvSpPr>
+            <a:spLocks noGrp="1"/>
+          </p:cNvSpPr>
+          <p:nvPr>
+            <p:ph type="title"/>
+          </p:nvPr>
+        </p:nvSpPr>
+        <p:spPr/>
+        <p:txBody>
+          <a:bodyPr>
+            <a:normAutofit fontScale="90000"/>
+          </a:bodyPr>
+          <a:lstStyle/>
+          <a:p>
+            <a:r>
               <a:rPr lang="en-US" sz="2000" dirty="0" smtClean="0">
                 <a:solidFill>
                   <a:schemeClr val="accent6"/>
@@ -4303,18 +5036,65 @@
                   <a:schemeClr val="accent6"/>
                 </a:solidFill>
               </a:rPr>
-              <a:t> shows only processes that have been started by the current user.</a:t>
-            </a:r>
-            <a:br>
+              <a:t> shows only processes that have been started by the current user</a:t>
+            </a:r>
+            <a:r>
+              <a:rPr lang="en-US" sz="2000" dirty="0" smtClean="0">
+                <a:solidFill>
+                  <a:schemeClr val="accent6"/>
+                </a:solidFill>
+              </a:rPr>
+              <a:t>.</a:t>
+            </a:r>
+            <a:br>
+              <a:rPr lang="en-US" sz="2000" dirty="0" smtClean="0">
+                <a:solidFill>
+                  <a:schemeClr val="accent6"/>
+                </a:solidFill>
+              </a:rPr>
+            </a:br>
+            <a:r>
+              <a:rPr lang="en-US" sz="2000" dirty="0" err="1" smtClean="0">
+                <a:solidFill>
+                  <a:schemeClr val="bg1"/>
+                </a:solidFill>
+              </a:rPr>
+              <a:t>ps</a:t>
+            </a:r>
+            <a:r>
+              <a:rPr lang="en-US" sz="2000" dirty="0" smtClean="0">
+                <a:solidFill>
+                  <a:schemeClr val="bg1"/>
+                </a:solidFill>
+              </a:rPr>
+              <a:t> aux </a:t>
+            </a:r>
+            <a:r>
+              <a:rPr lang="en-US" sz="2000" dirty="0" smtClean="0">
+                <a:solidFill>
+                  <a:schemeClr val="accent6"/>
+                </a:solidFill>
+              </a:rPr>
+              <a:t>=&gt; a more detailed info.</a:t>
+            </a:r>
+            <a:r>
               <a:rPr lang="en-US" sz="2000" dirty="0">
                 <a:solidFill>
                   <a:schemeClr val="accent6"/>
                 </a:solidFill>
               </a:rPr>
-            </a:br>
-            <a:r>
+              <a:t/>
+            </a:r>
+            <a:br>
               <a:rPr lang="en-US" sz="2000" dirty="0">
                 <a:solidFill>
+                  <a:schemeClr val="accent6"/>
+                </a:solidFill>
+              </a:rPr>
+            </a:br>
+            <a:r>
+              <a:rPr lang="en-US" sz="2000" dirty="0">
+                <a:solidFill>
                   <a:schemeClr val="bg1"/>
                 </a:solidFill>
               </a:rPr>
@@ -4343,6 +5123,22 @@
                 </a:solidFill>
               </a:rPr>
             </a:br>
+            <a:r>
+              <a:rPr lang="en-US" sz="2000" dirty="0" err="1" smtClean="0">
+                <a:solidFill>
+                  <a:schemeClr val="bg1"/>
+                </a:solidFill>
+              </a:rPr>
+              <a:t>pstree</a:t>
+            </a:r>
+            <a:r>
+              <a:rPr lang="en-US" sz="2000" dirty="0" smtClean="0">
+                <a:solidFill>
+                  <a:schemeClr val="accent6"/>
+                </a:solidFill>
+              </a:rPr>
+              <a:t> =&gt; display a tree of processes.</a:t>
+            </a:r>
             <a:r>
               <a:rPr lang="en-US" sz="2000" dirty="0">
                 <a:solidFill>
@@ -4591,8 +5387,8 @@
         </p:blipFill>
         <p:spPr>
           <a:xfrm>
-            <a:off x="2133600" y="4194210"/>
-            <a:ext cx="5019675" cy="2625690"/>
+            <a:off x="2514600" y="4393502"/>
+            <a:ext cx="4638675" cy="2426397"/>
           </a:xfrm>
           <a:prstGeom prst="rect">
             <a:avLst/>
@@ -4612,7 +5408,398 @@
 </p:sld>
 </file>
 
-<file path=ppt/slides/slide3.xml><?xml version="1.0" encoding="utf-8"?>
+<file path=ppt/slides/slide4.xml><?xml version="1.0" encoding="utf-8"?>
+<p:sld xmlns:a="http://schemas.openxmlformats.org/drawingml/2006/main" xmlns:r="http://schemas.openxmlformats.org/officeDocument/2006/relationships" xmlns:p="http://schemas.openxmlformats.org/presentationml/2006/main">
+  <p:cSld>
+    <p:spTree>
+      <p:nvGrpSpPr>
+        <p:cNvPr id="1" name=""/>
+        <p:cNvGrpSpPr/>
+        <p:nvPr/>
+      </p:nvGrpSpPr>
+      <p:grpSpPr>
+        <a:xfrm>
+          <a:off x="0" y="0"/>
+          <a:ext cx="0" cy="0"/>
+          <a:chOff x="0" y="0"/>
+          <a:chExt cx="0" cy="0"/>
+        </a:xfrm>
+      </p:grpSpPr>
+      <p:sp>
+        <p:nvSpPr>
+          <p:cNvPr id="2" name="Title 1"/>
+          <p:cNvSpPr>
+            <a:spLocks noGrp="1"/>
+          </p:cNvSpPr>
+          <p:nvPr>
+            <p:ph type="title"/>
+          </p:nvPr>
+        </p:nvSpPr>
+        <p:spPr/>
+        <p:txBody>
+          <a:bodyPr/>
+          <a:lstStyle/>
+          <a:p>
+            <a:endParaRPr lang="en-US"/>
+          </a:p>
+        </p:txBody>
+      </p:sp>
+      <p:graphicFrame>
+        <p:nvGraphicFramePr>
+          <p:cNvPr id="4" name="Content Placeholder 3"/>
+          <p:cNvGraphicFramePr>
+            <a:graphicFrameLocks noGrp="1"/>
+          </p:cNvGraphicFramePr>
+          <p:nvPr>
+            <p:ph idx="1"/>
+            <p:extLst>
+              <p:ext uri="{D42A27DB-BD31-4B8C-83A1-F6EECF244321}">
+                <p14:modId xmlns:p14="http://schemas.microsoft.com/office/powerpoint/2010/main" val="1798227915"/>
+              </p:ext>
+            </p:extLst>
+          </p:nvPr>
+        </p:nvGraphicFramePr>
+        <p:xfrm>
+          <a:off x="609600" y="-208280"/>
+          <a:ext cx="7924800" cy="7403488"/>
+        </p:xfrm>
+        <a:graphic>
+          <a:graphicData uri="http://schemas.openxmlformats.org/drawingml/2006/table">
+            <a:tbl>
+              <a:tblPr firstRow="1" bandRow="1">
+                <a:tableStyleId>{5C22544A-7EE6-4342-B048-85BDC9FD1C3A}</a:tableStyleId>
+              </a:tblPr>
+              <a:tblGrid>
+                <a:gridCol w="2641600"/>
+                <a:gridCol w="2641600"/>
+                <a:gridCol w="2641600"/>
+              </a:tblGrid>
+              <a:tr h="568551">
+                <a:tc>
+                  <a:txBody>
+                    <a:bodyPr/>
+                    <a:lstStyle/>
+                    <a:p>
+                      <a:r>
+                        <a:rPr lang="en-US" dirty="0" smtClean="0"/>
+                        <a:t>Name</a:t>
+                      </a:r>
+                      <a:endParaRPr lang="en-US" dirty="0"/>
+                    </a:p>
+                  </a:txBody>
+                  <a:tcPr/>
+                </a:tc>
+                <a:tc>
+                  <a:txBody>
+                    <a:bodyPr/>
+                    <a:lstStyle/>
+                    <a:p>
+                      <a:r>
+                        <a:rPr lang="en-US" dirty="0" smtClean="0"/>
+                        <a:t>Flag</a:t>
+                      </a:r>
+                      <a:endParaRPr lang="en-US" dirty="0"/>
+                    </a:p>
+                  </a:txBody>
+                  <a:tcPr/>
+                </a:tc>
+                <a:tc>
+                  <a:txBody>
+                    <a:bodyPr/>
+                    <a:lstStyle/>
+                    <a:p>
+                      <a:r>
+                        <a:rPr lang="en-US" dirty="0" smtClean="0"/>
+                        <a:t>Kernel-defined state name</a:t>
+                      </a:r>
+                      <a:r>
+                        <a:rPr lang="en-US" baseline="0" dirty="0" smtClean="0"/>
+                        <a:t> and </a:t>
+                      </a:r>
+                      <a:r>
+                        <a:rPr lang="en-US" baseline="0" dirty="0" err="1" smtClean="0"/>
+                        <a:t>descipriont</a:t>
+                      </a:r>
+                      <a:endParaRPr lang="en-US" dirty="0"/>
+                    </a:p>
+                  </a:txBody>
+                  <a:tcPr/>
+                </a:tc>
+              </a:tr>
+              <a:tr h="812216">
+                <a:tc>
+                  <a:txBody>
+                    <a:bodyPr/>
+                    <a:lstStyle/>
+                    <a:p>
+                      <a:r>
+                        <a:rPr lang="en-US" dirty="0" smtClean="0"/>
+                        <a:t>Running</a:t>
+                      </a:r>
+                      <a:endParaRPr lang="en-US" dirty="0"/>
+                    </a:p>
+                  </a:txBody>
+                  <a:tcPr/>
+                </a:tc>
+                <a:tc>
+                  <a:txBody>
+                    <a:bodyPr/>
+                    <a:lstStyle/>
+                    <a:p>
+                      <a:r>
+                        <a:rPr lang="en-US" dirty="0" smtClean="0"/>
+                        <a:t>R</a:t>
+                      </a:r>
+                      <a:endParaRPr lang="en-US" dirty="0"/>
+                    </a:p>
+                  </a:txBody>
+                  <a:tcPr/>
+                </a:tc>
+                <a:tc>
+                  <a:txBody>
+                    <a:bodyPr/>
+                    <a:lstStyle/>
+                    <a:p>
+                      <a:r>
+                        <a:rPr lang="en-US" dirty="0" smtClean="0"/>
+                        <a:t>The</a:t>
+                      </a:r>
+                      <a:r>
+                        <a:rPr lang="en-US" baseline="0" dirty="0" smtClean="0"/>
+                        <a:t> process is either executing on a CPU or waiting to run. </a:t>
+                      </a:r>
+                      <a:endParaRPr lang="en-US" dirty="0"/>
+                    </a:p>
+                  </a:txBody>
+                  <a:tcPr/>
+                </a:tc>
+              </a:tr>
+              <a:tr h="1299546">
+                <a:tc>
+                  <a:txBody>
+                    <a:bodyPr/>
+                    <a:lstStyle/>
+                    <a:p>
+                      <a:r>
+                        <a:rPr lang="en-US" dirty="0" smtClean="0"/>
+                        <a:t>Sleeping</a:t>
+                      </a:r>
+                      <a:endParaRPr lang="en-US" dirty="0"/>
+                    </a:p>
+                  </a:txBody>
+                  <a:tcPr/>
+                </a:tc>
+                <a:tc>
+                  <a:txBody>
+                    <a:bodyPr/>
+                    <a:lstStyle/>
+                    <a:p>
+                      <a:r>
+                        <a:rPr lang="en-US" dirty="0" smtClean="0"/>
+                        <a:t>S</a:t>
+                      </a:r>
+                      <a:endParaRPr lang="en-US" dirty="0"/>
+                    </a:p>
+                  </a:txBody>
+                  <a:tcPr/>
+                </a:tc>
+                <a:tc>
+                  <a:txBody>
+                    <a:bodyPr/>
+                    <a:lstStyle/>
+                    <a:p>
+                      <a:r>
+                        <a:rPr lang="en-US" dirty="0" smtClean="0"/>
+                        <a:t>Process is waiting for some condition,</a:t>
+                      </a:r>
+                      <a:r>
+                        <a:rPr lang="en-US" baseline="0" dirty="0" smtClean="0"/>
+                        <a:t> a hardware request, system resource access, or signal.</a:t>
+                      </a:r>
+                      <a:r>
+                        <a:rPr lang="en-US" dirty="0" smtClean="0"/>
+                        <a:t> </a:t>
+                      </a:r>
+                      <a:endParaRPr lang="en-US" dirty="0"/>
+                    </a:p>
+                  </a:txBody>
+                  <a:tcPr/>
+                </a:tc>
+              </a:tr>
+              <a:tr h="1299546">
+                <a:tc>
+                  <a:txBody>
+                    <a:bodyPr/>
+                    <a:lstStyle/>
+                    <a:p>
+                      <a:r>
+                        <a:rPr lang="en-US" dirty="0" smtClean="0"/>
+                        <a:t>Stopped</a:t>
+                      </a:r>
+                      <a:endParaRPr lang="en-US" dirty="0"/>
+                    </a:p>
+                  </a:txBody>
+                  <a:tcPr/>
+                </a:tc>
+                <a:tc>
+                  <a:txBody>
+                    <a:bodyPr/>
+                    <a:lstStyle/>
+                    <a:p>
+                      <a:r>
+                        <a:rPr lang="en-US" dirty="0" smtClean="0"/>
+                        <a:t>T</a:t>
+                      </a:r>
+                      <a:endParaRPr lang="en-US" dirty="0"/>
+                    </a:p>
+                  </a:txBody>
+                  <a:tcPr/>
+                </a:tc>
+                <a:tc>
+                  <a:txBody>
+                    <a:bodyPr/>
+                    <a:lstStyle/>
+                    <a:p>
+                      <a:r>
+                        <a:rPr lang="en-US" dirty="0" smtClean="0"/>
+                        <a:t>The process has</a:t>
+                      </a:r>
+                      <a:r>
+                        <a:rPr lang="en-US" baseline="0" dirty="0" smtClean="0"/>
+                        <a:t> been Stopped(suspended), usually by being signaled by a user or another process.</a:t>
+                      </a:r>
+                      <a:endParaRPr lang="en-US" dirty="0"/>
+                    </a:p>
+                  </a:txBody>
+                  <a:tcPr/>
+                </a:tc>
+              </a:tr>
+              <a:tr h="1543211">
+                <a:tc>
+                  <a:txBody>
+                    <a:bodyPr/>
+                    <a:lstStyle/>
+                    <a:p>
+                      <a:r>
+                        <a:rPr lang="en-US" dirty="0" smtClean="0"/>
+                        <a:t>Zombie</a:t>
+                      </a:r>
+                      <a:endParaRPr lang="en-US" dirty="0"/>
+                    </a:p>
+                  </a:txBody>
+                  <a:tcPr/>
+                </a:tc>
+                <a:tc>
+                  <a:txBody>
+                    <a:bodyPr/>
+                    <a:lstStyle/>
+                    <a:p>
+                      <a:r>
+                        <a:rPr lang="en-US" dirty="0" smtClean="0"/>
+                        <a:t>Z</a:t>
+                      </a:r>
+                      <a:r>
+                        <a:rPr lang="en-US" baseline="0" dirty="0" smtClean="0"/>
+                        <a:t>  | X </a:t>
+                      </a:r>
+                      <a:endParaRPr lang="en-US" dirty="0"/>
+                    </a:p>
+                  </a:txBody>
+                  <a:tcPr/>
+                </a:tc>
+                <a:tc>
+                  <a:txBody>
+                    <a:bodyPr/>
+                    <a:lstStyle/>
+                    <a:p>
+                      <a:r>
+                        <a:rPr lang="en-US" dirty="0" smtClean="0"/>
+                        <a:t>Z</a:t>
+                      </a:r>
+                      <a:r>
+                        <a:rPr lang="en-US" baseline="0" dirty="0" smtClean="0"/>
+                        <a:t> =&gt; EXIT_ZOMBIE: a child process signals its parent as it exits. All resources except for the process identity(PID) are released.</a:t>
+                      </a:r>
+                      <a:endParaRPr lang="en-US" dirty="0"/>
+                    </a:p>
+                  </a:txBody>
+                  <a:tcPr/>
+                </a:tc>
+              </a:tr>
+              <a:tr h="1543211">
+                <a:tc>
+                  <a:txBody>
+                    <a:bodyPr/>
+                    <a:lstStyle/>
+                    <a:p>
+                      <a:endParaRPr lang="en-US" dirty="0"/>
+                    </a:p>
+                  </a:txBody>
+                  <a:tcPr/>
+                </a:tc>
+                <a:tc>
+                  <a:txBody>
+                    <a:bodyPr/>
+                    <a:lstStyle/>
+                    <a:p>
+                      <a:endParaRPr lang="en-US" dirty="0"/>
+                    </a:p>
+                  </a:txBody>
+                  <a:tcPr/>
+                </a:tc>
+                <a:tc>
+                  <a:txBody>
+                    <a:bodyPr/>
+                    <a:lstStyle/>
+                    <a:p>
+                      <a:r>
+                        <a:rPr lang="en-US" dirty="0" smtClean="0"/>
+                        <a:t>X =&gt; EXIT_DEAD;</a:t>
+                      </a:r>
+                      <a:r>
+                        <a:rPr lang="en-US" baseline="0" dirty="0" smtClean="0"/>
+                        <a:t>  when the </a:t>
+                      </a:r>
+                      <a:r>
+                        <a:rPr lang="en-US" baseline="0" dirty="0" err="1" smtClean="0"/>
+                        <a:t>parcent</a:t>
+                      </a:r>
+                      <a:r>
+                        <a:rPr lang="en-US" baseline="0" dirty="0" smtClean="0"/>
+                        <a:t> cleans up the </a:t>
+                      </a:r>
+                      <a:r>
+                        <a:rPr lang="en-US" baseline="0" dirty="0" err="1" smtClean="0"/>
+                        <a:t>remainig</a:t>
+                      </a:r>
+                      <a:r>
+                        <a:rPr lang="en-US" baseline="0" dirty="0" smtClean="0"/>
+                        <a:t> child process structure, the process is now released completely.</a:t>
+                      </a:r>
+                      <a:endParaRPr lang="en-US" dirty="0"/>
+                    </a:p>
+                  </a:txBody>
+                  <a:tcPr/>
+                </a:tc>
+              </a:tr>
+            </a:tbl>
+          </a:graphicData>
+        </a:graphic>
+      </p:graphicFrame>
+    </p:spTree>
+    <p:extLst>
+      <p:ext uri="{BB962C8B-B14F-4D97-AF65-F5344CB8AC3E}">
+        <p14:creationId xmlns:p14="http://schemas.microsoft.com/office/powerpoint/2010/main" val="1170265603"/>
+      </p:ext>
+    </p:extLst>
+  </p:cSld>
+  <p:clrMapOvr>
+    <a:masterClrMapping/>
+  </p:clrMapOvr>
+</p:sld>
+</file>
+
+<file path=ppt/slides/slide5.xml><?xml version="1.0" encoding="utf-8"?>
 <p:sld xmlns:a="http://schemas.openxmlformats.org/drawingml/2006/main" xmlns:r="http://schemas.openxmlformats.org/officeDocument/2006/relationships" xmlns:p="http://schemas.openxmlformats.org/presentationml/2006/main">
   <p:cSld>
     <p:spTree>
@@ -4798,7 +5985,7 @@
 </p:sld>
 </file>
 
-<file path=ppt/slides/slide4.xml><?xml version="1.0" encoding="utf-8"?>
+<file path=ppt/slides/slide6.xml><?xml version="1.0" encoding="utf-8"?>
 <p:sld xmlns:a="http://schemas.openxmlformats.org/drawingml/2006/main" xmlns:r="http://schemas.openxmlformats.org/officeDocument/2006/relationships" xmlns:p="http://schemas.openxmlformats.org/presentationml/2006/main">
   <p:cSld>
     <p:spTree>
@@ -5133,7 +6320,7 @@
 </p:sld>
 </file>
 
-<file path=ppt/slides/slide5.xml><?xml version="1.0" encoding="utf-8"?>
+<file path=ppt/slides/slide7.xml><?xml version="1.0" encoding="utf-8"?>
 <p:sld xmlns:a="http://schemas.openxmlformats.org/drawingml/2006/main" xmlns:r="http://schemas.openxmlformats.org/officeDocument/2006/relationships" xmlns:p="http://schemas.openxmlformats.org/presentationml/2006/main">
   <p:cSld>
     <p:spTree>
@@ -5825,7 +7012,7 @@
 </p:sld>
 </file>
 
-<file path=ppt/slides/slide6.xml><?xml version="1.0" encoding="utf-8"?>
+<file path=ppt/slides/slide8.xml><?xml version="1.0" encoding="utf-8"?>
 <p:sld xmlns:a="http://schemas.openxmlformats.org/drawingml/2006/main" xmlns:r="http://schemas.openxmlformats.org/officeDocument/2006/relationships" xmlns:p="http://schemas.openxmlformats.org/presentationml/2006/main">
   <p:cSld>
     <p:spTree>
@@ -6943,7 +8130,7 @@
 </p:sld>
 </file>
 
-<file path=ppt/slides/slide7.xml><?xml version="1.0" encoding="utf-8"?>
+<file path=ppt/slides/slide9.xml><?xml version="1.0" encoding="utf-8"?>
 <p:sld xmlns:a="http://schemas.openxmlformats.org/drawingml/2006/main" xmlns:r="http://schemas.openxmlformats.org/officeDocument/2006/relationships" xmlns:p="http://schemas.openxmlformats.org/presentationml/2006/main">
   <p:cSld>
     <p:spTree>
@@ -7560,4 +8747,265 @@
   <a:objectDefaults/>
   <a:extraClrSchemeLst/>
 </a:theme>
+</file>
+
+<file path=ppt/theme/theme2.xml><?xml version="1.0" encoding="utf-8"?>
+<a:theme xmlns:a="http://schemas.openxmlformats.org/drawingml/2006/main" name="Office Theme">
+  <a:themeElements>
+    <a:clrScheme name="Office">
+      <a:dk1>
+        <a:sysClr val="windowText" lastClr="000000"/>
+      </a:dk1>
+      <a:lt1>
+        <a:sysClr val="window" lastClr="FFFFFF"/>
+      </a:lt1>
+      <a:dk2>
+        <a:srgbClr val="44546A"/>
+      </a:dk2>
+      <a:lt2>
+        <a:srgbClr val="E7E6E6"/>
+      </a:lt2>
+      <a:accent1>
+        <a:srgbClr val="4472C4"/>
+      </a:accent1>
+      <a:accent2>
+        <a:srgbClr val="ED7D31"/>
+      </a:accent2>
+      <a:accent3>
+        <a:srgbClr val="A5A5A5"/>
+      </a:accent3>
+      <a:accent4>
+        <a:srgbClr val="FFC000"/>
+      </a:accent4>
+      <a:accent5>
+        <a:srgbClr val="5B9BD5"/>
+      </a:accent5>
+      <a:accent6>
+        <a:srgbClr val="70AD47"/>
+      </a:accent6>
+      <a:hlink>
+        <a:srgbClr val="0563C1"/>
+      </a:hlink>
+      <a:folHlink>
+        <a:srgbClr val="954F72"/>
+      </a:folHlink>
+    </a:clrScheme>
+    <a:fontScheme name="Office">
+      <a:majorFont>
+        <a:latin typeface="Calibri Light" panose="020F0302020204030204"/>
+        <a:ea typeface=""/>
+        <a:cs typeface=""/>
+        <a:font script="Jpan" typeface="Yu Gothic Light"/>
+        <a:font script="Hang" typeface="맑은 고딕"/>
+        <a:font script="Hans" typeface="DengXian Light"/>
+        <a:font script="Hant" typeface="新細明體"/>
+        <a:font script="Arab" typeface="Times New Roman"/>
+        <a:font script="Hebr" typeface="Times New Roman"/>
+        <a:font script="Thai" typeface="Angsana New"/>
+        <a:font script="Ethi" typeface="Nyala"/>
+        <a:font script="Beng" typeface="Vrinda"/>
+        <a:font script="Gujr" typeface="Shruti"/>
+        <a:font script="Khmr" typeface="MoolBoran"/>
+        <a:font script="Knda" typeface="Tunga"/>
+        <a:font script="Guru" typeface="Raavi"/>
+        <a:font script="Cans" typeface="Euphemia"/>
+        <a:font script="Cher" typeface="Plantagenet Cherokee"/>
+        <a:font script="Yiii" typeface="Microsoft Yi Baiti"/>
+        <a:font script="Tibt" typeface="Microsoft Himalaya"/>
+        <a:font script="Thaa" typeface="MV Boli"/>
+        <a:font script="Deva" typeface="Mangal"/>
+        <a:font script="Telu" typeface="Gautami"/>
+        <a:font script="Taml" typeface="Latha"/>
+        <a:font script="Syrc" typeface="Estrangelo Edessa"/>
+        <a:font script="Orya" typeface="Kalinga"/>
+        <a:font script="Mlym" typeface="Kartika"/>
+        <a:font script="Laoo" typeface="DokChampa"/>
+        <a:font script="Sinh" typeface="Iskoola Pota"/>
+        <a:font script="Mong" typeface="Mongolian Baiti"/>
+        <a:font script="Viet" typeface="Times New Roman"/>
+        <a:font script="Uigh" typeface="Microsoft Uighur"/>
+        <a:font script="Geor" typeface="Sylfaen"/>
+      </a:majorFont>
+      <a:minorFont>
+        <a:latin typeface="Calibri" panose="020F0502020204030204"/>
+        <a:ea typeface=""/>
+        <a:cs typeface=""/>
+        <a:font script="Jpan" typeface="Yu Gothic"/>
+        <a:font script="Hang" typeface="맑은 고딕"/>
+        <a:font script="Hans" typeface="DengXian"/>
+        <a:font script="Hant" typeface="新細明體"/>
+        <a:font script="Arab" typeface="Arial"/>
+        <a:font script="Hebr" typeface="Arial"/>
+        <a:font script="Thai" typeface="Cordia New"/>
+        <a:font script="Ethi" typeface="Nyala"/>
+        <a:font script="Beng" typeface="Vrinda"/>
+        <a:font script="Gujr" typeface="Shruti"/>
+        <a:font script="Khmr" typeface="DaunPenh"/>
+        <a:font script="Knda" typeface="Tunga"/>
+        <a:font script="Guru" typeface="Raavi"/>
+        <a:font script="Cans" typeface="Euphemia"/>
+        <a:font script="Cher" typeface="Plantagenet Cherokee"/>
+        <a:font script="Yiii" typeface="Microsoft Yi Baiti"/>
+        <a:font script="Tibt" typeface="Microsoft Himalaya"/>
+        <a:font script="Thaa" typeface="MV Boli"/>
+        <a:font script="Deva" typeface="Mangal"/>
+        <a:font script="Telu" typeface="Gautami"/>
+        <a:font script="Taml" typeface="Latha"/>
+        <a:font script="Syrc" typeface="Estrangelo Edessa"/>
+        <a:font script="Orya" typeface="Kalinga"/>
+        <a:font script="Mlym" typeface="Kartika"/>
+        <a:font script="Laoo" typeface="DokChampa"/>
+        <a:font script="Sinh" typeface="Iskoola Pota"/>
+        <a:font script="Mong" typeface="Mongolian Baiti"/>
+        <a:font script="Viet" typeface="Arial"/>
+        <a:font script="Uigh" typeface="Microsoft Uighur"/>
+        <a:font script="Geor" typeface="Sylfaen"/>
+      </a:minorFont>
+    </a:fontScheme>
+    <a:fmtScheme name="Office">
+      <a:fillStyleLst>
+        <a:solidFill>
+          <a:schemeClr val="phClr"/>
+        </a:solidFill>
+        <a:gradFill rotWithShape="1">
+          <a:gsLst>
+            <a:gs pos="0">
+              <a:schemeClr val="phClr">
+                <a:lumMod val="110000"/>
+                <a:satMod val="105000"/>
+                <a:tint val="67000"/>
+              </a:schemeClr>
+            </a:gs>
+            <a:gs pos="50000">
+              <a:schemeClr val="phClr">
+                <a:lumMod val="105000"/>
+                <a:satMod val="103000"/>
+                <a:tint val="73000"/>
+              </a:schemeClr>
+            </a:gs>
+            <a:gs pos="100000">
+              <a:schemeClr val="phClr">
+                <a:lumMod val="105000"/>
+                <a:satMod val="109000"/>
+                <a:tint val="81000"/>
+              </a:schemeClr>
+            </a:gs>
+          </a:gsLst>
+          <a:lin ang="5400000" scaled="0"/>
+        </a:gradFill>
+        <a:gradFill rotWithShape="1">
+          <a:gsLst>
+            <a:gs pos="0">
+              <a:schemeClr val="phClr">
+                <a:satMod val="103000"/>
+                <a:lumMod val="102000"/>
+                <a:tint val="94000"/>
+              </a:schemeClr>
+            </a:gs>
+            <a:gs pos="50000">
+              <a:schemeClr val="phClr">
+                <a:satMod val="110000"/>
+                <a:lumMod val="100000"/>
+                <a:shade val="100000"/>
+              </a:schemeClr>
+            </a:gs>
+            <a:gs pos="100000">
+              <a:schemeClr val="phClr">
+                <a:lumMod val="99000"/>
+                <a:satMod val="120000"/>
+                <a:shade val="78000"/>
+              </a:schemeClr>
+            </a:gs>
+          </a:gsLst>
+          <a:lin ang="5400000" scaled="0"/>
+        </a:gradFill>
+      </a:fillStyleLst>
+      <a:lnStyleLst>
+        <a:ln w="6350" cap="flat" cmpd="sng" algn="ctr">
+          <a:solidFill>
+            <a:schemeClr val="phClr"/>
+          </a:solidFill>
+          <a:prstDash val="solid"/>
+          <a:miter lim="800000"/>
+        </a:ln>
+        <a:ln w="12700" cap="flat" cmpd="sng" algn="ctr">
+          <a:solidFill>
+            <a:schemeClr val="phClr"/>
+          </a:solidFill>
+          <a:prstDash val="solid"/>
+          <a:miter lim="800000"/>
+        </a:ln>
+        <a:ln w="19050" cap="flat" cmpd="sng" algn="ctr">
+          <a:solidFill>
+            <a:schemeClr val="phClr"/>
+          </a:solidFill>
+          <a:prstDash val="solid"/>
+          <a:miter lim="800000"/>
+        </a:ln>
+      </a:lnStyleLst>
+      <a:effectStyleLst>
+        <a:effectStyle>
+          <a:effectLst/>
+        </a:effectStyle>
+        <a:effectStyle>
+          <a:effectLst/>
+        </a:effectStyle>
+        <a:effectStyle>
+          <a:effectLst>
+            <a:outerShdw blurRad="57150" dist="19050" dir="5400000" algn="ctr" rotWithShape="0">
+              <a:srgbClr val="000000">
+                <a:alpha val="63000"/>
+              </a:srgbClr>
+            </a:outerShdw>
+          </a:effectLst>
+        </a:effectStyle>
+      </a:effectStyleLst>
+      <a:bgFillStyleLst>
+        <a:solidFill>
+          <a:schemeClr val="phClr"/>
+        </a:solidFill>
+        <a:solidFill>
+          <a:schemeClr val="phClr">
+            <a:tint val="95000"/>
+            <a:satMod val="170000"/>
+          </a:schemeClr>
+        </a:solidFill>
+        <a:gradFill rotWithShape="1">
+          <a:gsLst>
+            <a:gs pos="0">
+              <a:schemeClr val="phClr">
+                <a:tint val="93000"/>
+                <a:satMod val="150000"/>
+                <a:shade val="98000"/>
+                <a:lumMod val="102000"/>
+              </a:schemeClr>
+            </a:gs>
+            <a:gs pos="50000">
+              <a:schemeClr val="phClr">
+                <a:tint val="98000"/>
+                <a:satMod val="130000"/>
+                <a:shade val="90000"/>
+                <a:lumMod val="103000"/>
+              </a:schemeClr>
+            </a:gs>
+            <a:gs pos="100000">
+              <a:schemeClr val="phClr">
+                <a:shade val="63000"/>
+                <a:satMod val="120000"/>
+              </a:schemeClr>
+            </a:gs>
+          </a:gsLst>
+          <a:lin ang="5400000" scaled="0"/>
+        </a:gradFill>
+      </a:bgFillStyleLst>
+    </a:fmtScheme>
+  </a:themeElements>
+  <a:objectDefaults/>
+  <a:extraClrSchemeLst/>
+  <a:extLst>
+    <a:ext uri="{05A4C25C-085E-4340-85A3-A5531E510DB2}">
+      <thm15:themeFamily xmlns:thm15="http://schemas.microsoft.com/office/thememl/2012/main" name="Office Theme" id="{62F939B6-93AF-4DB8-9C6B-D6C7DFDC589F}" vid="{4A3C46E8-61CC-4603-A589-7422A47A8E4A}"/>
+    </a:ext>
+  </a:extLst>
+</a:theme>
 </file>
--- a/7.Processes/07-Processes.pptx
+++ b/7.Processes/07-Processes.pptx
@@ -559,6 +559,90 @@
     <p:extLst>
       <p:ext uri="{BB962C8B-B14F-4D97-AF65-F5344CB8AC3E}">
         <p14:creationId xmlns:p14="http://schemas.microsoft.com/office/powerpoint/2010/main" val="1108955301"/>
+      </p:ext>
+    </p:extLst>
+  </p:cSld>
+  <p:clrMapOvr>
+    <a:masterClrMapping/>
+  </p:clrMapOvr>
+</p:notes>
+</file>
+
+<file path=ppt/notesSlides/notesSlide2.xml><?xml version="1.0" encoding="utf-8"?>
+<p:notes xmlns:a="http://schemas.openxmlformats.org/drawingml/2006/main" xmlns:r="http://schemas.openxmlformats.org/officeDocument/2006/relationships" xmlns:p="http://schemas.openxmlformats.org/presentationml/2006/main">
+  <p:cSld>
+    <p:spTree>
+      <p:nvGrpSpPr>
+        <p:cNvPr id="1" name=""/>
+        <p:cNvGrpSpPr/>
+        <p:nvPr/>
+      </p:nvGrpSpPr>
+      <p:grpSpPr>
+        <a:xfrm>
+          <a:off x="0" y="0"/>
+          <a:ext cx="0" cy="0"/>
+          <a:chOff x="0" y="0"/>
+          <a:chExt cx="0" cy="0"/>
+        </a:xfrm>
+      </p:grpSpPr>
+      <p:sp>
+        <p:nvSpPr>
+          <p:cNvPr id="2" name="Slide Image Placeholder 1"/>
+          <p:cNvSpPr>
+            <a:spLocks noGrp="1" noRot="1" noChangeAspect="1"/>
+          </p:cNvSpPr>
+          <p:nvPr>
+            <p:ph type="sldImg"/>
+          </p:nvPr>
+        </p:nvSpPr>
+        <p:spPr/>
+      </p:sp>
+      <p:sp>
+        <p:nvSpPr>
+          <p:cNvPr id="3" name="Notes Placeholder 2"/>
+          <p:cNvSpPr>
+            <a:spLocks noGrp="1"/>
+          </p:cNvSpPr>
+          <p:nvPr>
+            <p:ph type="body" idx="1"/>
+          </p:nvPr>
+        </p:nvSpPr>
+        <p:spPr/>
+        <p:txBody>
+          <a:bodyPr/>
+          <a:lstStyle/>
+          <a:p>
+            <a:endParaRPr lang="en-US" dirty="0"/>
+          </a:p>
+        </p:txBody>
+      </p:sp>
+      <p:sp>
+        <p:nvSpPr>
+          <p:cNvPr id="4" name="Slide Number Placeholder 3"/>
+          <p:cNvSpPr>
+            <a:spLocks noGrp="1"/>
+          </p:cNvSpPr>
+          <p:nvPr>
+            <p:ph type="sldNum" sz="quarter" idx="10"/>
+          </p:nvPr>
+        </p:nvSpPr>
+        <p:spPr/>
+        <p:txBody>
+          <a:bodyPr/>
+          <a:lstStyle/>
+          <a:p>
+            <a:fld id="{620E4D46-35BE-944B-B27D-7CD793E165E7}" type="slidenum">
+              <a:rPr lang="en-US" smtClean="0"/>
+              <a:t>6</a:t>
+            </a:fld>
+            <a:endParaRPr lang="en-US"/>
+          </a:p>
+        </p:txBody>
+      </p:sp>
+    </p:spTree>
+    <p:extLst>
+      <p:ext uri="{BB962C8B-B14F-4D97-AF65-F5344CB8AC3E}">
+        <p14:creationId xmlns:p14="http://schemas.microsoft.com/office/powerpoint/2010/main" val="183394399"/>
       </p:ext>
     </p:extLst>
   </p:cSld>
@@ -6662,7 +6746,23 @@
                   <a:schemeClr val="accent6"/>
                 </a:solidFill>
               </a:rPr>
-              <a:t>You could inform a process that you are expecting a behavior out of it. Most often it’s the ‘kill’ command to terminate the process either gently(by releasing all resources that it covers) or by a quick murder no matter what.</a:t>
+              <a:t>You could inform a process that you are expecting a behavior out of it. Most often it’s the ‘</a:t>
+            </a:r>
+            <a:r>
+              <a:rPr lang="en-US" dirty="0" smtClean="0">
+                <a:solidFill>
+                  <a:schemeClr val="bg1"/>
+                </a:solidFill>
+              </a:rPr>
+              <a:t>kill</a:t>
+            </a:r>
+            <a:r>
+              <a:rPr lang="en-US" dirty="0" smtClean="0">
+                <a:solidFill>
+                  <a:schemeClr val="accent6"/>
+                </a:solidFill>
+              </a:rPr>
+              <a:t>’ command to terminate the process either gently(by releasing all resources that it covers) or by a quick murder no matter what.</a:t>
             </a:r>
           </a:p>
           <a:p>
@@ -7550,7 +7650,7 @@
             <a:r>
               <a:rPr lang="en-US" sz="2400" dirty="0" err="1" smtClean="0">
                 <a:solidFill>
-                  <a:schemeClr val="accent6"/>
+                  <a:schemeClr val="bg1"/>
                 </a:solidFill>
               </a:rPr>
               <a:t>systemd</a:t>
@@ -8422,15 +8522,7 @@
                   <a:schemeClr val="accent6"/>
                 </a:solidFill>
               </a:rPr>
-              <a:t>4. Find PID of the above process, and change </a:t>
-            </a:r>
-            <a:r>
-              <a:rPr lang="en-US" sz="1800" smtClean="0">
-                <a:solidFill>
-                  <a:schemeClr val="accent6"/>
-                </a:solidFill>
-              </a:rPr>
-              <a:t>it’s priority to 10.</a:t>
+              <a:t>4. Find PID of the above process, and change it’s priority to 10.</a:t>
             </a:r>
             <a:r>
               <a:rPr lang="en-US" sz="1800" dirty="0">
